--- a/DB16_빙그레중간발표.pptx
+++ b/DB16_빙그레중간발표.pptx
@@ -20,12 +20,12 @@
   <p:notesSz cx="6858000" cy="9144000"/>
   <p:embeddedFontLst>
     <p:embeddedFont>
-      <p:font typeface="나눔바른고딕" panose="020B0603020101020101" pitchFamily="50" charset="-127"/>
-      <p:regular r:id="rId10"/>
-      <p:bold r:id="rId11"/>
+      <p:font typeface="나눔고딕 ExtraBold" panose="020B0600000101010101" charset="-127"/>
+      <p:bold r:id="rId10"/>
     </p:embeddedFont>
     <p:embeddedFont>
-      <p:font typeface="나눔고딕 ExtraBold" panose="020B0600000101010101" charset="-127"/>
+      <p:font typeface="나눔고딕" panose="020B0600000101010101" charset="-127"/>
+      <p:regular r:id="rId11"/>
       <p:bold r:id="rId12"/>
     </p:embeddedFont>
     <p:embeddedFont>
@@ -34,13 +34,13 @@
       <p:bold r:id="rId14"/>
     </p:embeddedFont>
     <p:embeddedFont>
-      <p:font typeface="배달의민족 한나" panose="02000503000000020003" pitchFamily="2" charset="-127"/>
+      <p:font typeface="나눔바른고딕" panose="020B0603020101020101" pitchFamily="50" charset="-127"/>
       <p:regular r:id="rId15"/>
+      <p:bold r:id="rId16"/>
     </p:embeddedFont>
     <p:embeddedFont>
-      <p:font typeface="나눔고딕" panose="020B0600000101010101" charset="-127"/>
-      <p:regular r:id="rId16"/>
-      <p:bold r:id="rId17"/>
+      <p:font typeface="배달의민족 한나" panose="02000503000000020003" pitchFamily="2" charset="-127"/>
+      <p:regular r:id="rId17"/>
     </p:embeddedFont>
   </p:embeddedFontLst>
   <p:defaultTextStyle>
@@ -140,7 +140,7 @@
   </p:defaultTextStyle>
   <p:extLst>
     <p:ext uri="{EFAFB233-063F-42B5-8137-9DF3F51BA10A}">
-      <p15:sldGuideLst xmlns="" xmlns:p15="http://schemas.microsoft.com/office/powerpoint/2012/main">
+      <p15:sldGuideLst xmlns:p15="http://schemas.microsoft.com/office/powerpoint/2012/main" xmlns="">
         <p15:guide id="1" orient="horz" pos="2160">
           <p15:clr>
             <a:srgbClr val="A4A3A4"/>
@@ -239,7 +239,7 @@
           <a:p>
             <a:fld id="{1AAAA601-B31A-48D8-A6C1-A628718DEAA9}" type="datetimeFigureOut">
               <a:rPr lang="ko-KR" altLang="en-US" smtClean="0"/>
-              <a:t>2016-11-06</a:t>
+              <a:t>2016-11-07</a:t>
             </a:fld>
             <a:endParaRPr lang="ko-KR" altLang="en-US"/>
           </a:p>
@@ -689,7 +689,7 @@
             <a:fld id="{F3CF03C6-1A05-41EC-BC19-02EE946D372F}" type="datetimeFigureOut">
               <a:rPr lang="ko-KR" altLang="en-US" smtClean="0"/>
               <a:pPr/>
-              <a:t>2016-11-06</a:t>
+              <a:t>2016-11-07</a:t>
             </a:fld>
             <a:endParaRPr lang="ko-KR" altLang="en-US"/>
           </a:p>
@@ -871,7 +871,7 @@
             <a:fld id="{F3CF03C6-1A05-41EC-BC19-02EE946D372F}" type="datetimeFigureOut">
               <a:rPr lang="ko-KR" altLang="en-US" smtClean="0"/>
               <a:pPr/>
-              <a:t>2016-11-06</a:t>
+              <a:t>2016-11-07</a:t>
             </a:fld>
             <a:endParaRPr lang="ko-KR" altLang="en-US"/>
           </a:p>
@@ -1063,7 +1063,7 @@
             <a:fld id="{F3CF03C6-1A05-41EC-BC19-02EE946D372F}" type="datetimeFigureOut">
               <a:rPr lang="ko-KR" altLang="en-US" smtClean="0"/>
               <a:pPr/>
-              <a:t>2016-11-06</a:t>
+              <a:t>2016-11-07</a:t>
             </a:fld>
             <a:endParaRPr lang="ko-KR" altLang="en-US"/>
           </a:p>
@@ -1245,7 +1245,7 @@
             <a:fld id="{F3CF03C6-1A05-41EC-BC19-02EE946D372F}" type="datetimeFigureOut">
               <a:rPr lang="ko-KR" altLang="en-US" smtClean="0"/>
               <a:pPr/>
-              <a:t>2016-11-06</a:t>
+              <a:t>2016-11-07</a:t>
             </a:fld>
             <a:endParaRPr lang="ko-KR" altLang="en-US"/>
           </a:p>
@@ -1503,7 +1503,7 @@
             <a:fld id="{F3CF03C6-1A05-41EC-BC19-02EE946D372F}" type="datetimeFigureOut">
               <a:rPr lang="ko-KR" altLang="en-US" smtClean="0"/>
               <a:pPr/>
-              <a:t>2016-11-06</a:t>
+              <a:t>2016-11-07</a:t>
             </a:fld>
             <a:endParaRPr lang="ko-KR" altLang="en-US"/>
           </a:p>
@@ -1803,7 +1803,7 @@
             <a:fld id="{F3CF03C6-1A05-41EC-BC19-02EE946D372F}" type="datetimeFigureOut">
               <a:rPr lang="ko-KR" altLang="en-US" smtClean="0"/>
               <a:pPr/>
-              <a:t>2016-11-06</a:t>
+              <a:t>2016-11-07</a:t>
             </a:fld>
             <a:endParaRPr lang="ko-KR" altLang="en-US"/>
           </a:p>
@@ -2237,7 +2237,7 @@
             <a:fld id="{F3CF03C6-1A05-41EC-BC19-02EE946D372F}" type="datetimeFigureOut">
               <a:rPr lang="ko-KR" altLang="en-US" smtClean="0"/>
               <a:pPr/>
-              <a:t>2016-11-06</a:t>
+              <a:t>2016-11-07</a:t>
             </a:fld>
             <a:endParaRPr lang="ko-KR" altLang="en-US"/>
           </a:p>
@@ -2367,7 +2367,7 @@
             <a:fld id="{F3CF03C6-1A05-41EC-BC19-02EE946D372F}" type="datetimeFigureOut">
               <a:rPr lang="ko-KR" altLang="en-US" smtClean="0"/>
               <a:pPr/>
-              <a:t>2016-11-06</a:t>
+              <a:t>2016-11-07</a:t>
             </a:fld>
             <a:endParaRPr lang="ko-KR" altLang="en-US"/>
           </a:p>
@@ -2474,7 +2474,7 @@
             <a:fld id="{F3CF03C6-1A05-41EC-BC19-02EE946D372F}" type="datetimeFigureOut">
               <a:rPr lang="ko-KR" altLang="en-US" smtClean="0"/>
               <a:pPr/>
-              <a:t>2016-11-06</a:t>
+              <a:t>2016-11-07</a:t>
             </a:fld>
             <a:endParaRPr lang="ko-KR" altLang="en-US"/>
           </a:p>
@@ -2763,7 +2763,7 @@
             <a:fld id="{F3CF03C6-1A05-41EC-BC19-02EE946D372F}" type="datetimeFigureOut">
               <a:rPr lang="ko-KR" altLang="en-US" smtClean="0"/>
               <a:pPr/>
-              <a:t>2016-11-06</a:t>
+              <a:t>2016-11-07</a:t>
             </a:fld>
             <a:endParaRPr lang="ko-KR" altLang="en-US"/>
           </a:p>
@@ -3028,7 +3028,7 @@
             <a:fld id="{F3CF03C6-1A05-41EC-BC19-02EE946D372F}" type="datetimeFigureOut">
               <a:rPr lang="ko-KR" altLang="en-US" smtClean="0"/>
               <a:pPr/>
-              <a:t>2016-11-06</a:t>
+              <a:t>2016-11-07</a:t>
             </a:fld>
             <a:endParaRPr lang="ko-KR" altLang="en-US"/>
           </a:p>
@@ -3253,7 +3253,7 @@
             <a:fld id="{F3CF03C6-1A05-41EC-BC19-02EE946D372F}" type="datetimeFigureOut">
               <a:rPr lang="ko-KR" altLang="en-US" smtClean="0"/>
               <a:pPr/>
-              <a:t>2016-11-06</a:t>
+              <a:t>2016-11-07</a:t>
             </a:fld>
             <a:endParaRPr lang="ko-KR" altLang="en-US"/>
           </a:p>
@@ -3709,7 +3709,7 @@
         </p:nvSpPr>
         <p:spPr>
           <a:xfrm>
-            <a:off x="3023827" y="2574627"/>
+            <a:off x="3044847" y="2132856"/>
             <a:ext cx="3096344" cy="1446550"/>
           </a:xfrm>
           <a:prstGeom prst="rect">
@@ -3772,8 +3772,8 @@
         </p:nvSpPr>
         <p:spPr>
           <a:xfrm>
-            <a:off x="6876256" y="5767823"/>
-            <a:ext cx="2592288" cy="830997"/>
+            <a:off x="6732240" y="5373216"/>
+            <a:ext cx="2592288" cy="1077218"/>
           </a:xfrm>
           <a:prstGeom prst="rect">
             <a:avLst/>
@@ -3788,7 +3788,7 @@
           <a:p>
             <a:pPr algn="ctr"/>
             <a:r>
-              <a:rPr lang="ko-KR" altLang="en-US" sz="1200" dirty="0" smtClean="0">
+              <a:rPr lang="ko-KR" altLang="en-US" sz="1600" dirty="0" smtClean="0">
                 <a:solidFill>
                   <a:schemeClr val="bg1"/>
                 </a:solidFill>
@@ -3798,7 +3798,7 @@
               <a:t>빙그</a:t>
             </a:r>
             <a:r>
-              <a:rPr lang="ko-KR" altLang="en-US" sz="1200" dirty="0">
+              <a:rPr lang="ko-KR" altLang="en-US" sz="1600" dirty="0">
                 <a:solidFill>
                   <a:schemeClr val="bg1"/>
                 </a:solidFill>
@@ -3807,7 +3807,7 @@
               </a:rPr>
               <a:t>레</a:t>
             </a:r>
-            <a:endParaRPr lang="en-US" altLang="ko-KR" sz="1200" dirty="0" smtClean="0">
+            <a:endParaRPr lang="en-US" altLang="ko-KR" sz="1600" dirty="0" smtClean="0">
               <a:solidFill>
                 <a:schemeClr val="bg1"/>
               </a:solidFill>
@@ -3818,7 +3818,7 @@
           <a:p>
             <a:pPr algn="ctr"/>
             <a:r>
-              <a:rPr lang="en-US" altLang="ko-KR" sz="1200" dirty="0" smtClean="0">
+              <a:rPr lang="en-US" altLang="ko-KR" sz="1600" dirty="0" smtClean="0">
                 <a:solidFill>
                   <a:schemeClr val="bg1"/>
                 </a:solidFill>
@@ -3828,7 +3828,7 @@
               <a:t>B489001  </a:t>
             </a:r>
             <a:r>
-              <a:rPr lang="ko-KR" altLang="en-US" sz="1200" dirty="0" smtClean="0">
+              <a:rPr lang="ko-KR" altLang="en-US" sz="1600" dirty="0" smtClean="0">
                 <a:solidFill>
                   <a:schemeClr val="bg1"/>
                 </a:solidFill>
@@ -3837,7 +3837,7 @@
               </a:rPr>
               <a:t>강동훈</a:t>
             </a:r>
-            <a:endParaRPr lang="en-US" altLang="ko-KR" sz="1200" dirty="0" smtClean="0">
+            <a:endParaRPr lang="en-US" altLang="ko-KR" sz="1600" dirty="0" smtClean="0">
               <a:solidFill>
                 <a:schemeClr val="bg1"/>
               </a:solidFill>
@@ -3848,7 +3848,7 @@
           <a:p>
             <a:pPr algn="ctr"/>
             <a:r>
-              <a:rPr lang="en-US" altLang="ko-KR" sz="1200" dirty="0" smtClean="0">
+              <a:rPr lang="en-US" altLang="ko-KR" sz="1600" dirty="0" smtClean="0">
                 <a:solidFill>
                   <a:schemeClr val="bg1"/>
                 </a:solidFill>
@@ -3858,7 +3858,7 @@
               <a:t>B289034  </a:t>
             </a:r>
             <a:r>
-              <a:rPr lang="ko-KR" altLang="en-US" sz="1200" dirty="0" smtClean="0">
+              <a:rPr lang="ko-KR" altLang="en-US" sz="1600" dirty="0" smtClean="0">
                 <a:solidFill>
                   <a:schemeClr val="bg1"/>
                 </a:solidFill>
@@ -3867,7 +3867,7 @@
               </a:rPr>
               <a:t>박상현</a:t>
             </a:r>
-            <a:endParaRPr lang="en-US" altLang="ko-KR" sz="1200" dirty="0" smtClean="0">
+            <a:endParaRPr lang="en-US" altLang="ko-KR" sz="1600" dirty="0" smtClean="0">
               <a:solidFill>
                 <a:schemeClr val="bg1"/>
               </a:solidFill>
@@ -3878,7 +3878,7 @@
           <a:p>
             <a:pPr algn="ctr"/>
             <a:r>
-              <a:rPr lang="en-US" altLang="ko-KR" sz="1200" dirty="0" smtClean="0">
+              <a:rPr lang="en-US" altLang="ko-KR" sz="1600" dirty="0" smtClean="0">
                 <a:solidFill>
                   <a:schemeClr val="bg1"/>
                 </a:solidFill>
@@ -3888,7 +3888,7 @@
               <a:t>B289048  </a:t>
             </a:r>
             <a:r>
-              <a:rPr lang="ko-KR" altLang="en-US" sz="1200" dirty="0" smtClean="0">
+              <a:rPr lang="ko-KR" altLang="en-US" sz="1600" dirty="0" smtClean="0">
                 <a:solidFill>
                   <a:schemeClr val="bg1"/>
                 </a:solidFill>
@@ -3897,7 +3897,7 @@
               </a:rPr>
               <a:t>서봉덕</a:t>
             </a:r>
-            <a:endParaRPr lang="ko-KR" altLang="en-US" sz="1200" dirty="0">
+            <a:endParaRPr lang="ko-KR" altLang="en-US" sz="1600" dirty="0">
               <a:solidFill>
                 <a:schemeClr val="bg1"/>
               </a:solidFill>
@@ -3907,294 +3907,6 @@
           </a:p>
         </p:txBody>
       </p:sp>
-      <p:grpSp>
-        <p:nvGrpSpPr>
-          <p:cNvPr id="52" name="그룹 51"/>
-          <p:cNvGrpSpPr/>
-          <p:nvPr/>
-        </p:nvGrpSpPr>
-        <p:grpSpPr>
-          <a:xfrm>
-            <a:off x="4283968" y="1916832"/>
-            <a:ext cx="576064" cy="576064"/>
-            <a:chOff x="4499992" y="2204864"/>
-            <a:chExt cx="1584176" cy="1584176"/>
-          </a:xfrm>
-        </p:grpSpPr>
-        <p:sp>
-          <p:nvSpPr>
-            <p:cNvPr id="53" name="타원 52"/>
-            <p:cNvSpPr/>
-            <p:nvPr/>
-          </p:nvSpPr>
-          <p:spPr>
-            <a:xfrm>
-              <a:off x="4499992" y="2204864"/>
-              <a:ext cx="1584176" cy="1584176"/>
-            </a:xfrm>
-            <a:prstGeom prst="ellipse">
-              <a:avLst/>
-            </a:prstGeom>
-            <a:noFill/>
-            <a:ln w="3175">
-              <a:solidFill>
-                <a:schemeClr val="bg1"/>
-              </a:solidFill>
-            </a:ln>
-          </p:spPr>
-          <p:style>
-            <a:lnRef idx="2">
-              <a:schemeClr val="accent1">
-                <a:shade val="50000"/>
-              </a:schemeClr>
-            </a:lnRef>
-            <a:fillRef idx="1">
-              <a:schemeClr val="accent1"/>
-            </a:fillRef>
-            <a:effectRef idx="0">
-              <a:schemeClr val="accent1"/>
-            </a:effectRef>
-            <a:fontRef idx="minor">
-              <a:schemeClr val="lt1"/>
-            </a:fontRef>
-          </p:style>
-          <p:txBody>
-            <a:bodyPr rtlCol="0" anchor="ctr"/>
-            <a:lstStyle/>
-            <a:p>
-              <a:pPr algn="ctr"/>
-              <a:endParaRPr lang="ko-KR" altLang="en-US">
-                <a:latin typeface="배달의민족 한나" pitchFamily="2" charset="-127"/>
-                <a:ea typeface="배달의민족 한나" pitchFamily="2" charset="-127"/>
-              </a:endParaRPr>
-            </a:p>
-          </p:txBody>
-        </p:sp>
-        <p:sp>
-          <p:nvSpPr>
-            <p:cNvPr id="54" name="타원 53"/>
-            <p:cNvSpPr/>
-            <p:nvPr/>
-          </p:nvSpPr>
-          <p:spPr>
-            <a:xfrm>
-              <a:off x="4644007" y="2375073"/>
-              <a:ext cx="1296144" cy="1296144"/>
-            </a:xfrm>
-            <a:prstGeom prst="ellipse">
-              <a:avLst/>
-            </a:prstGeom>
-            <a:solidFill>
-              <a:schemeClr val="bg1"/>
-            </a:solidFill>
-            <a:ln w="3175">
-              <a:noFill/>
-            </a:ln>
-          </p:spPr>
-          <p:style>
-            <a:lnRef idx="2">
-              <a:schemeClr val="accent1">
-                <a:shade val="50000"/>
-              </a:schemeClr>
-            </a:lnRef>
-            <a:fillRef idx="1">
-              <a:schemeClr val="accent1"/>
-            </a:fillRef>
-            <a:effectRef idx="0">
-              <a:schemeClr val="accent1"/>
-            </a:effectRef>
-            <a:fontRef idx="minor">
-              <a:schemeClr val="lt1"/>
-            </a:fontRef>
-          </p:style>
-          <p:txBody>
-            <a:bodyPr rtlCol="0" anchor="ctr"/>
-            <a:lstStyle/>
-            <a:p>
-              <a:pPr algn="ctr"/>
-              <a:endParaRPr lang="ko-KR" altLang="en-US">
-                <a:latin typeface="배달의민족 한나" pitchFamily="2" charset="-127"/>
-                <a:ea typeface="배달의민족 한나" pitchFamily="2" charset="-127"/>
-              </a:endParaRPr>
-            </a:p>
-          </p:txBody>
-        </p:sp>
-        <p:grpSp>
-          <p:nvGrpSpPr>
-            <p:cNvPr id="55" name="그룹 24"/>
-            <p:cNvGrpSpPr/>
-            <p:nvPr/>
-          </p:nvGrpSpPr>
-          <p:grpSpPr>
-            <a:xfrm>
-              <a:off x="4644008" y="2375074"/>
-              <a:ext cx="1296144" cy="1296144"/>
-              <a:chOff x="4644008" y="2375074"/>
-              <a:chExt cx="1296144" cy="1296144"/>
-            </a:xfrm>
-          </p:grpSpPr>
-          <p:cxnSp>
-            <p:nvCxnSpPr>
-              <p:cNvPr id="59" name="직선 연결선 58"/>
-              <p:cNvCxnSpPr>
-                <a:stCxn id="54" idx="0"/>
-              </p:cNvCxnSpPr>
-              <p:nvPr/>
-            </p:nvCxnSpPr>
-            <p:spPr>
-              <a:xfrm>
-                <a:off x="5292081" y="2375074"/>
-                <a:ext cx="0" cy="1296144"/>
-              </a:xfrm>
-              <a:prstGeom prst="line">
-                <a:avLst/>
-              </a:prstGeom>
-              <a:ln>
-                <a:solidFill>
-                  <a:srgbClr val="FF6E57"/>
-                </a:solidFill>
-              </a:ln>
-            </p:spPr>
-            <p:style>
-              <a:lnRef idx="1">
-                <a:schemeClr val="accent1"/>
-              </a:lnRef>
-              <a:fillRef idx="0">
-                <a:schemeClr val="accent1"/>
-              </a:fillRef>
-              <a:effectRef idx="0">
-                <a:schemeClr val="accent1"/>
-              </a:effectRef>
-              <a:fontRef idx="minor">
-                <a:schemeClr val="tx1"/>
-              </a:fontRef>
-            </p:style>
-          </p:cxnSp>
-          <p:cxnSp>
-            <p:nvCxnSpPr>
-              <p:cNvPr id="60" name="직선 연결선 59"/>
-              <p:cNvCxnSpPr>
-                <a:stCxn id="54" idx="2"/>
-                <a:endCxn id="54" idx="6"/>
-              </p:cNvCxnSpPr>
-              <p:nvPr/>
-            </p:nvCxnSpPr>
-            <p:spPr>
-              <a:xfrm>
-                <a:off x="4644008" y="3023145"/>
-                <a:ext cx="1296144" cy="0"/>
-              </a:xfrm>
-              <a:prstGeom prst="line">
-                <a:avLst/>
-              </a:prstGeom>
-              <a:ln>
-                <a:solidFill>
-                  <a:srgbClr val="FF6E57"/>
-                </a:solidFill>
-              </a:ln>
-            </p:spPr>
-            <p:style>
-              <a:lnRef idx="1">
-                <a:schemeClr val="accent1"/>
-              </a:lnRef>
-              <a:fillRef idx="0">
-                <a:schemeClr val="accent1"/>
-              </a:fillRef>
-              <a:effectRef idx="0">
-                <a:schemeClr val="accent1"/>
-              </a:effectRef>
-              <a:fontRef idx="minor">
-                <a:schemeClr val="tx1"/>
-              </a:fontRef>
-            </p:style>
-          </p:cxnSp>
-        </p:grpSp>
-        <p:grpSp>
-          <p:nvGrpSpPr>
-            <p:cNvPr id="56" name="그룹 25"/>
-            <p:cNvGrpSpPr/>
-            <p:nvPr/>
-          </p:nvGrpSpPr>
-          <p:grpSpPr>
-            <a:xfrm rot="2700000">
-              <a:off x="4644008" y="2348880"/>
-              <a:ext cx="1296144" cy="1296144"/>
-              <a:chOff x="4644008" y="2348880"/>
-              <a:chExt cx="1296144" cy="1296144"/>
-            </a:xfrm>
-          </p:grpSpPr>
-          <p:cxnSp>
-            <p:nvCxnSpPr>
-              <p:cNvPr id="57" name="직선 연결선 56"/>
-              <p:cNvCxnSpPr/>
-              <p:nvPr/>
-            </p:nvCxnSpPr>
-            <p:spPr>
-              <a:xfrm>
-                <a:off x="5292080" y="2348880"/>
-                <a:ext cx="0" cy="1296144"/>
-              </a:xfrm>
-              <a:prstGeom prst="line">
-                <a:avLst/>
-              </a:prstGeom>
-              <a:ln>
-                <a:solidFill>
-                  <a:srgbClr val="FF6E57"/>
-                </a:solidFill>
-              </a:ln>
-            </p:spPr>
-            <p:style>
-              <a:lnRef idx="1">
-                <a:schemeClr val="accent1"/>
-              </a:lnRef>
-              <a:fillRef idx="0">
-                <a:schemeClr val="accent1"/>
-              </a:fillRef>
-              <a:effectRef idx="0">
-                <a:schemeClr val="accent1"/>
-              </a:effectRef>
-              <a:fontRef idx="minor">
-                <a:schemeClr val="tx1"/>
-              </a:fontRef>
-            </p:style>
-          </p:cxnSp>
-          <p:cxnSp>
-            <p:nvCxnSpPr>
-              <p:cNvPr id="58" name="직선 연결선 57"/>
-              <p:cNvCxnSpPr/>
-              <p:nvPr/>
-            </p:nvCxnSpPr>
-            <p:spPr>
-              <a:xfrm>
-                <a:off x="4644008" y="2996952"/>
-                <a:ext cx="1296144" cy="0"/>
-              </a:xfrm>
-              <a:prstGeom prst="line">
-                <a:avLst/>
-              </a:prstGeom>
-              <a:ln>
-                <a:solidFill>
-                  <a:srgbClr val="FF6E57"/>
-                </a:solidFill>
-              </a:ln>
-            </p:spPr>
-            <p:style>
-              <a:lnRef idx="1">
-                <a:schemeClr val="accent1"/>
-              </a:lnRef>
-              <a:fillRef idx="0">
-                <a:schemeClr val="accent1"/>
-              </a:fillRef>
-              <a:effectRef idx="0">
-                <a:schemeClr val="accent1"/>
-              </a:effectRef>
-              <a:fontRef idx="minor">
-                <a:schemeClr val="tx1"/>
-              </a:fontRef>
-            </p:style>
-          </p:cxnSp>
-        </p:grpSp>
-      </p:grpSp>
       <p:grpSp>
         <p:nvGrpSpPr>
           <p:cNvPr id="82" name="그룹 81"/>
@@ -4578,13 +4290,6 @@
               </a:rPr>
               <a:t>Q&amp;A</a:t>
             </a:r>
-            <a:endParaRPr lang="en-US" altLang="ko-KR" sz="3600" dirty="0" smtClean="0">
-              <a:solidFill>
-                <a:schemeClr val="bg1"/>
-              </a:solidFill>
-              <a:latin typeface="배달의민족 한나" pitchFamily="2" charset="-127"/>
-              <a:ea typeface="배달의민족 한나" pitchFamily="2" charset="-127"/>
-            </a:endParaRPr>
           </a:p>
         </p:txBody>
       </p:sp>
@@ -7241,7 +6946,7 @@
                 <a:latin typeface="배달의민족 한나" pitchFamily="2" charset="-127"/>
                 <a:ea typeface="배달의민족 한나" pitchFamily="2" charset="-127"/>
               </a:rPr>
-              <a:t>Q&amp;A</a:t>
+              <a:t>Q &amp; A</a:t>
             </a:r>
             <a:endParaRPr lang="ko-KR" altLang="en-US" sz="4400" dirty="0">
               <a:solidFill>
